--- a/EDA Case Study - Credit Risk Analysis.pptx
+++ b/EDA Case Study - Credit Risk Analysis.pptx
@@ -209,7 +209,7 @@
           <a:p>
             <a:fld id="{410D73E3-3E31-45DD-87B6-FB2CD35098DB}" type="datetimeFigureOut">
               <a:rPr lang="en-US" smtClean="0"/>
-              <a:t>3/7/2022</a:t>
+              <a:t>3/8/2022</a:t>
             </a:fld>
             <a:endParaRPr lang="en-US"/>
           </a:p>
@@ -3512,7 +3512,7 @@
           <a:p>
             <a:fld id="{A5F21A77-452B-4EC2-984A-9993F28A483B}" type="datetime1">
               <a:rPr lang="en-US" smtClean="0"/>
-              <a:t>3/7/2022</a:t>
+              <a:t>3/8/2022</a:t>
             </a:fld>
             <a:endParaRPr lang="en-US" dirty="0"/>
           </a:p>
@@ -4075,10 +4075,16 @@
               <a:buChar char="ü"/>
             </a:pPr>
             <a:r>
+              <a:rPr lang="en-US" sz="2000">
+                <a:latin typeface="+mj-lt"/>
+              </a:rPr>
+              <a:t>Low-income range </a:t>
+            </a:r>
+            <a:r>
               <a:rPr lang="en-US" sz="2000" dirty="0">
                 <a:latin typeface="+mj-lt"/>
               </a:rPr>
-              <a:t>Low-income rage – People in the lower income bucket are more defaulters</a:t>
+              <a:t>– People in the lower income bucket are more defaulters</a:t>
             </a:r>
           </a:p>
           <a:p>
